--- a/ppt 16-9/0731.你遇见主了吗.pptx
+++ b/ppt 16-9/0731.你遇见主了吗.pptx
@@ -129,7 +129,7 @@
           <p:cNvPr id="2" name="标题 1">
             <a:extLst>
               <a:ext uri="{FF2B5EF4-FFF2-40B4-BE49-F238E27FC236}">
-                <a16:creationId xmlns:a16="http://schemas.microsoft.com/office/drawing/2014/main" id="{15181C32-B414-88F9-A21C-D58F759A8C60}"/>
+                <a16:creationId xmlns:a16="http://schemas.microsoft.com/office/drawing/2014/main" id="{521C5969-D4F1-2BDF-B595-A827CFE1CB84}"/>
               </a:ext>
             </a:extLst>
           </p:cNvPr>
@@ -166,7 +166,7 @@
           <p:cNvPr id="3" name="副标题 2">
             <a:extLst>
               <a:ext uri="{FF2B5EF4-FFF2-40B4-BE49-F238E27FC236}">
-                <a16:creationId xmlns:a16="http://schemas.microsoft.com/office/drawing/2014/main" id="{0796F681-0652-B7D2-4771-21F3C7D8C348}"/>
+                <a16:creationId xmlns:a16="http://schemas.microsoft.com/office/drawing/2014/main" id="{B6067C6C-6D91-9BE7-F23F-7385EE215C58}"/>
               </a:ext>
             </a:extLst>
           </p:cNvPr>
@@ -236,7 +236,7 @@
           <p:cNvPr id="4" name="日期占位符 3">
             <a:extLst>
               <a:ext uri="{FF2B5EF4-FFF2-40B4-BE49-F238E27FC236}">
-                <a16:creationId xmlns:a16="http://schemas.microsoft.com/office/drawing/2014/main" id="{01C39C70-6CA1-6D71-AAFE-F1BF91D7B70B}"/>
+                <a16:creationId xmlns:a16="http://schemas.microsoft.com/office/drawing/2014/main" id="{33E97ED6-869E-8111-5FC0-7CAF560A1115}"/>
               </a:ext>
             </a:extLst>
           </p:cNvPr>
@@ -252,7 +252,7 @@
           <a:bodyPr/>
           <a:lstStyle/>
           <a:p>
-            <a:fld id="{269B3C63-BBB3-4E63-A7E8-77448389313A}" type="datetimeFigureOut">
+            <a:fld id="{08352325-F2FF-4AC4-B892-B88A6F95E813}" type="datetimeFigureOut">
               <a:rPr lang="zh-CN" altLang="en-US" smtClean="0"/>
               <a:t>2024/3/10</a:t>
             </a:fld>
@@ -265,7 +265,7 @@
           <p:cNvPr id="5" name="页脚占位符 4">
             <a:extLst>
               <a:ext uri="{FF2B5EF4-FFF2-40B4-BE49-F238E27FC236}">
-                <a16:creationId xmlns:a16="http://schemas.microsoft.com/office/drawing/2014/main" id="{78FBB994-F26F-6911-EB64-620FC735D3AE}"/>
+                <a16:creationId xmlns:a16="http://schemas.microsoft.com/office/drawing/2014/main" id="{4B32F368-C361-64CE-9BBC-90124D809A8C}"/>
               </a:ext>
             </a:extLst>
           </p:cNvPr>
@@ -290,7 +290,7 @@
           <p:cNvPr id="6" name="灯片编号占位符 5">
             <a:extLst>
               <a:ext uri="{FF2B5EF4-FFF2-40B4-BE49-F238E27FC236}">
-                <a16:creationId xmlns:a16="http://schemas.microsoft.com/office/drawing/2014/main" id="{40F0696C-A98F-F80D-F393-38FFDBDB6206}"/>
+                <a16:creationId xmlns:a16="http://schemas.microsoft.com/office/drawing/2014/main" id="{214AF68B-2370-0644-9132-1B6829BAB87D}"/>
               </a:ext>
             </a:extLst>
           </p:cNvPr>
@@ -306,7 +306,7 @@
           <a:bodyPr/>
           <a:lstStyle/>
           <a:p>
-            <a:fld id="{D090DE5A-6685-4BB5-A9E9-5F4DCFE1BFDD}" type="slidenum">
+            <a:fld id="{98538A8E-D067-4A07-B60F-B4FFFDF6FCB5}" type="slidenum">
               <a:rPr lang="zh-CN" altLang="en-US" smtClean="0"/>
               <a:t>‹#›</a:t>
             </a:fld>
@@ -317,7 +317,7 @@
     </p:spTree>
     <p:extLst>
       <p:ext uri="{BB962C8B-B14F-4D97-AF65-F5344CB8AC3E}">
-        <p14:creationId xmlns:p14="http://schemas.microsoft.com/office/powerpoint/2010/main" val="1277422232"/>
+        <p14:creationId xmlns:p14="http://schemas.microsoft.com/office/powerpoint/2010/main" val="3477362421"/>
       </p:ext>
     </p:extLst>
   </p:cSld>
@@ -349,7 +349,7 @@
           <p:cNvPr id="2" name="标题 1">
             <a:extLst>
               <a:ext uri="{FF2B5EF4-FFF2-40B4-BE49-F238E27FC236}">
-                <a16:creationId xmlns:a16="http://schemas.microsoft.com/office/drawing/2014/main" id="{BE319209-7509-8FD3-8266-F9455DA39F95}"/>
+                <a16:creationId xmlns:a16="http://schemas.microsoft.com/office/drawing/2014/main" id="{04C0FB59-2613-5B2B-4D4D-053C24A1A7D7}"/>
               </a:ext>
             </a:extLst>
           </p:cNvPr>
@@ -377,7 +377,7 @@
           <p:cNvPr id="3" name="竖排文字占位符 2">
             <a:extLst>
               <a:ext uri="{FF2B5EF4-FFF2-40B4-BE49-F238E27FC236}">
-                <a16:creationId xmlns:a16="http://schemas.microsoft.com/office/drawing/2014/main" id="{9D8DF144-13A1-3AAA-6AD8-3044C91C5F14}"/>
+                <a16:creationId xmlns:a16="http://schemas.microsoft.com/office/drawing/2014/main" id="{8AC7E11E-D34B-56F1-BC3D-C474270FE7A4}"/>
               </a:ext>
             </a:extLst>
           </p:cNvPr>
@@ -434,7 +434,7 @@
           <p:cNvPr id="4" name="日期占位符 3">
             <a:extLst>
               <a:ext uri="{FF2B5EF4-FFF2-40B4-BE49-F238E27FC236}">
-                <a16:creationId xmlns:a16="http://schemas.microsoft.com/office/drawing/2014/main" id="{3D5ABCC9-C4E8-91F9-A6C0-4348E8B0FD5D}"/>
+                <a16:creationId xmlns:a16="http://schemas.microsoft.com/office/drawing/2014/main" id="{5C6A48CE-31F4-5A8C-92D8-D66378E9EF0C}"/>
               </a:ext>
             </a:extLst>
           </p:cNvPr>
@@ -450,7 +450,7 @@
           <a:bodyPr/>
           <a:lstStyle/>
           <a:p>
-            <a:fld id="{269B3C63-BBB3-4E63-A7E8-77448389313A}" type="datetimeFigureOut">
+            <a:fld id="{08352325-F2FF-4AC4-B892-B88A6F95E813}" type="datetimeFigureOut">
               <a:rPr lang="zh-CN" altLang="en-US" smtClean="0"/>
               <a:t>2024/3/10</a:t>
             </a:fld>
@@ -463,7 +463,7 @@
           <p:cNvPr id="5" name="页脚占位符 4">
             <a:extLst>
               <a:ext uri="{FF2B5EF4-FFF2-40B4-BE49-F238E27FC236}">
-                <a16:creationId xmlns:a16="http://schemas.microsoft.com/office/drawing/2014/main" id="{87C14381-D524-9C2D-312E-AEE29A06E737}"/>
+                <a16:creationId xmlns:a16="http://schemas.microsoft.com/office/drawing/2014/main" id="{0C86AC3D-4584-29F5-EE3C-7A88853A6B83}"/>
               </a:ext>
             </a:extLst>
           </p:cNvPr>
@@ -488,7 +488,7 @@
           <p:cNvPr id="6" name="灯片编号占位符 5">
             <a:extLst>
               <a:ext uri="{FF2B5EF4-FFF2-40B4-BE49-F238E27FC236}">
-                <a16:creationId xmlns:a16="http://schemas.microsoft.com/office/drawing/2014/main" id="{DBBB4EF7-1363-1B60-D6A8-63F33B25653E}"/>
+                <a16:creationId xmlns:a16="http://schemas.microsoft.com/office/drawing/2014/main" id="{73EE0936-0BE8-9038-37EC-ABFD6C8D5F73}"/>
               </a:ext>
             </a:extLst>
           </p:cNvPr>
@@ -504,7 +504,7 @@
           <a:bodyPr/>
           <a:lstStyle/>
           <a:p>
-            <a:fld id="{D090DE5A-6685-4BB5-A9E9-5F4DCFE1BFDD}" type="slidenum">
+            <a:fld id="{98538A8E-D067-4A07-B60F-B4FFFDF6FCB5}" type="slidenum">
               <a:rPr lang="zh-CN" altLang="en-US" smtClean="0"/>
               <a:t>‹#›</a:t>
             </a:fld>
@@ -515,7 +515,7 @@
     </p:spTree>
     <p:extLst>
       <p:ext uri="{BB962C8B-B14F-4D97-AF65-F5344CB8AC3E}">
-        <p14:creationId xmlns:p14="http://schemas.microsoft.com/office/powerpoint/2010/main" val="1870652218"/>
+        <p14:creationId xmlns:p14="http://schemas.microsoft.com/office/powerpoint/2010/main" val="1172212953"/>
       </p:ext>
     </p:extLst>
   </p:cSld>
@@ -547,7 +547,7 @@
           <p:cNvPr id="2" name="竖排标题 1">
             <a:extLst>
               <a:ext uri="{FF2B5EF4-FFF2-40B4-BE49-F238E27FC236}">
-                <a16:creationId xmlns:a16="http://schemas.microsoft.com/office/drawing/2014/main" id="{A6E681C9-B862-A6AD-B626-DF3075CF0AE0}"/>
+                <a16:creationId xmlns:a16="http://schemas.microsoft.com/office/drawing/2014/main" id="{A3034FFD-971D-B5F5-86A3-B71E38A1E2B7}"/>
               </a:ext>
             </a:extLst>
           </p:cNvPr>
@@ -580,7 +580,7 @@
           <p:cNvPr id="3" name="竖排文字占位符 2">
             <a:extLst>
               <a:ext uri="{FF2B5EF4-FFF2-40B4-BE49-F238E27FC236}">
-                <a16:creationId xmlns:a16="http://schemas.microsoft.com/office/drawing/2014/main" id="{1FB6EE47-4928-469B-5DEA-91041177D337}"/>
+                <a16:creationId xmlns:a16="http://schemas.microsoft.com/office/drawing/2014/main" id="{BD09BE7B-744E-1241-B28E-F5A03D928013}"/>
               </a:ext>
             </a:extLst>
           </p:cNvPr>
@@ -642,7 +642,7 @@
           <p:cNvPr id="4" name="日期占位符 3">
             <a:extLst>
               <a:ext uri="{FF2B5EF4-FFF2-40B4-BE49-F238E27FC236}">
-                <a16:creationId xmlns:a16="http://schemas.microsoft.com/office/drawing/2014/main" id="{0337F484-3C1B-FF73-0E76-8082A751F618}"/>
+                <a16:creationId xmlns:a16="http://schemas.microsoft.com/office/drawing/2014/main" id="{6F2B19C2-A7D1-C80C-5D1D-BD4A16F2F6C1}"/>
               </a:ext>
             </a:extLst>
           </p:cNvPr>
@@ -658,7 +658,7 @@
           <a:bodyPr/>
           <a:lstStyle/>
           <a:p>
-            <a:fld id="{269B3C63-BBB3-4E63-A7E8-77448389313A}" type="datetimeFigureOut">
+            <a:fld id="{08352325-F2FF-4AC4-B892-B88A6F95E813}" type="datetimeFigureOut">
               <a:rPr lang="zh-CN" altLang="en-US" smtClean="0"/>
               <a:t>2024/3/10</a:t>
             </a:fld>
@@ -671,7 +671,7 @@
           <p:cNvPr id="5" name="页脚占位符 4">
             <a:extLst>
               <a:ext uri="{FF2B5EF4-FFF2-40B4-BE49-F238E27FC236}">
-                <a16:creationId xmlns:a16="http://schemas.microsoft.com/office/drawing/2014/main" id="{1D695B05-E0BA-2B03-1947-FFDE06797D06}"/>
+                <a16:creationId xmlns:a16="http://schemas.microsoft.com/office/drawing/2014/main" id="{58C635BC-FB50-89FA-25EE-2942FFF2AB94}"/>
               </a:ext>
             </a:extLst>
           </p:cNvPr>
@@ -696,7 +696,7 @@
           <p:cNvPr id="6" name="灯片编号占位符 5">
             <a:extLst>
               <a:ext uri="{FF2B5EF4-FFF2-40B4-BE49-F238E27FC236}">
-                <a16:creationId xmlns:a16="http://schemas.microsoft.com/office/drawing/2014/main" id="{89AEC754-65EC-8F3A-EC3A-6C25ED339861}"/>
+                <a16:creationId xmlns:a16="http://schemas.microsoft.com/office/drawing/2014/main" id="{B6AC1E3A-7CE4-7923-EEBA-7801049E630A}"/>
               </a:ext>
             </a:extLst>
           </p:cNvPr>
@@ -712,7 +712,7 @@
           <a:bodyPr/>
           <a:lstStyle/>
           <a:p>
-            <a:fld id="{D090DE5A-6685-4BB5-A9E9-5F4DCFE1BFDD}" type="slidenum">
+            <a:fld id="{98538A8E-D067-4A07-B60F-B4FFFDF6FCB5}" type="slidenum">
               <a:rPr lang="zh-CN" altLang="en-US" smtClean="0"/>
               <a:t>‹#›</a:t>
             </a:fld>
@@ -723,7 +723,7 @@
     </p:spTree>
     <p:extLst>
       <p:ext uri="{BB962C8B-B14F-4D97-AF65-F5344CB8AC3E}">
-        <p14:creationId xmlns:p14="http://schemas.microsoft.com/office/powerpoint/2010/main" val="817421593"/>
+        <p14:creationId xmlns:p14="http://schemas.microsoft.com/office/powerpoint/2010/main" val="2806961875"/>
       </p:ext>
     </p:extLst>
   </p:cSld>
@@ -755,7 +755,7 @@
           <p:cNvPr id="2" name="标题 1">
             <a:extLst>
               <a:ext uri="{FF2B5EF4-FFF2-40B4-BE49-F238E27FC236}">
-                <a16:creationId xmlns:a16="http://schemas.microsoft.com/office/drawing/2014/main" id="{8D755CD6-1E6F-67CA-8234-0F0E5A4E4071}"/>
+                <a16:creationId xmlns:a16="http://schemas.microsoft.com/office/drawing/2014/main" id="{BD4B147B-013C-9CCF-B39E-D6A8813D49D5}"/>
               </a:ext>
             </a:extLst>
           </p:cNvPr>
@@ -783,7 +783,7 @@
           <p:cNvPr id="3" name="内容占位符 2">
             <a:extLst>
               <a:ext uri="{FF2B5EF4-FFF2-40B4-BE49-F238E27FC236}">
-                <a16:creationId xmlns:a16="http://schemas.microsoft.com/office/drawing/2014/main" id="{ECFE6690-E8F2-207C-E99B-2D8E0A418884}"/>
+                <a16:creationId xmlns:a16="http://schemas.microsoft.com/office/drawing/2014/main" id="{5B69E02C-0DA8-1987-DDD3-D9FF87188D8A}"/>
               </a:ext>
             </a:extLst>
           </p:cNvPr>
@@ -840,7 +840,7 @@
           <p:cNvPr id="4" name="日期占位符 3">
             <a:extLst>
               <a:ext uri="{FF2B5EF4-FFF2-40B4-BE49-F238E27FC236}">
-                <a16:creationId xmlns:a16="http://schemas.microsoft.com/office/drawing/2014/main" id="{A24985C4-5B85-CF80-0363-9DBC1A9EB37E}"/>
+                <a16:creationId xmlns:a16="http://schemas.microsoft.com/office/drawing/2014/main" id="{DB619021-534A-BD90-1E47-33F09C93DA57}"/>
               </a:ext>
             </a:extLst>
           </p:cNvPr>
@@ -856,7 +856,7 @@
           <a:bodyPr/>
           <a:lstStyle/>
           <a:p>
-            <a:fld id="{269B3C63-BBB3-4E63-A7E8-77448389313A}" type="datetimeFigureOut">
+            <a:fld id="{08352325-F2FF-4AC4-B892-B88A6F95E813}" type="datetimeFigureOut">
               <a:rPr lang="zh-CN" altLang="en-US" smtClean="0"/>
               <a:t>2024/3/10</a:t>
             </a:fld>
@@ -869,7 +869,7 @@
           <p:cNvPr id="5" name="页脚占位符 4">
             <a:extLst>
               <a:ext uri="{FF2B5EF4-FFF2-40B4-BE49-F238E27FC236}">
-                <a16:creationId xmlns:a16="http://schemas.microsoft.com/office/drawing/2014/main" id="{25D07512-55EB-D792-291A-507A323939BA}"/>
+                <a16:creationId xmlns:a16="http://schemas.microsoft.com/office/drawing/2014/main" id="{87FBB550-3F6D-236C-3644-CDE873E1C0F5}"/>
               </a:ext>
             </a:extLst>
           </p:cNvPr>
@@ -894,7 +894,7 @@
           <p:cNvPr id="6" name="灯片编号占位符 5">
             <a:extLst>
               <a:ext uri="{FF2B5EF4-FFF2-40B4-BE49-F238E27FC236}">
-                <a16:creationId xmlns:a16="http://schemas.microsoft.com/office/drawing/2014/main" id="{6D13BB14-7C11-7587-AA10-21B7A1F308D7}"/>
+                <a16:creationId xmlns:a16="http://schemas.microsoft.com/office/drawing/2014/main" id="{FADF5DEE-22EE-3C08-2498-2687E4DABBD7}"/>
               </a:ext>
             </a:extLst>
           </p:cNvPr>
@@ -910,7 +910,7 @@
           <a:bodyPr/>
           <a:lstStyle/>
           <a:p>
-            <a:fld id="{D090DE5A-6685-4BB5-A9E9-5F4DCFE1BFDD}" type="slidenum">
+            <a:fld id="{98538A8E-D067-4A07-B60F-B4FFFDF6FCB5}" type="slidenum">
               <a:rPr lang="zh-CN" altLang="en-US" smtClean="0"/>
               <a:t>‹#›</a:t>
             </a:fld>
@@ -921,7 +921,7 @@
     </p:spTree>
     <p:extLst>
       <p:ext uri="{BB962C8B-B14F-4D97-AF65-F5344CB8AC3E}">
-        <p14:creationId xmlns:p14="http://schemas.microsoft.com/office/powerpoint/2010/main" val="4233513244"/>
+        <p14:creationId xmlns:p14="http://schemas.microsoft.com/office/powerpoint/2010/main" val="1718770638"/>
       </p:ext>
     </p:extLst>
   </p:cSld>
@@ -953,7 +953,7 @@
           <p:cNvPr id="2" name="标题 1">
             <a:extLst>
               <a:ext uri="{FF2B5EF4-FFF2-40B4-BE49-F238E27FC236}">
-                <a16:creationId xmlns:a16="http://schemas.microsoft.com/office/drawing/2014/main" id="{675494A8-721E-65E3-3CC9-D53920489EBE}"/>
+                <a16:creationId xmlns:a16="http://schemas.microsoft.com/office/drawing/2014/main" id="{2771DE86-2100-EE96-1307-8208B28E0CA1}"/>
               </a:ext>
             </a:extLst>
           </p:cNvPr>
@@ -990,7 +990,7 @@
           <p:cNvPr id="3" name="文本占位符 2">
             <a:extLst>
               <a:ext uri="{FF2B5EF4-FFF2-40B4-BE49-F238E27FC236}">
-                <a16:creationId xmlns:a16="http://schemas.microsoft.com/office/drawing/2014/main" id="{EA5F524B-DF31-A99B-60D7-8460DA9988E2}"/>
+                <a16:creationId xmlns:a16="http://schemas.microsoft.com/office/drawing/2014/main" id="{03D556F3-F391-AE3B-2246-96177E813094}"/>
               </a:ext>
             </a:extLst>
           </p:cNvPr>
@@ -1115,7 +1115,7 @@
           <p:cNvPr id="4" name="日期占位符 3">
             <a:extLst>
               <a:ext uri="{FF2B5EF4-FFF2-40B4-BE49-F238E27FC236}">
-                <a16:creationId xmlns:a16="http://schemas.microsoft.com/office/drawing/2014/main" id="{E6EA9C0C-5C02-FEFE-118E-DCDF10E68E4E}"/>
+                <a16:creationId xmlns:a16="http://schemas.microsoft.com/office/drawing/2014/main" id="{E2735B8A-12AF-CFFE-9FB5-29DA70C329B6}"/>
               </a:ext>
             </a:extLst>
           </p:cNvPr>
@@ -1131,7 +1131,7 @@
           <a:bodyPr/>
           <a:lstStyle/>
           <a:p>
-            <a:fld id="{269B3C63-BBB3-4E63-A7E8-77448389313A}" type="datetimeFigureOut">
+            <a:fld id="{08352325-F2FF-4AC4-B892-B88A6F95E813}" type="datetimeFigureOut">
               <a:rPr lang="zh-CN" altLang="en-US" smtClean="0"/>
               <a:t>2024/3/10</a:t>
             </a:fld>
@@ -1144,7 +1144,7 @@
           <p:cNvPr id="5" name="页脚占位符 4">
             <a:extLst>
               <a:ext uri="{FF2B5EF4-FFF2-40B4-BE49-F238E27FC236}">
-                <a16:creationId xmlns:a16="http://schemas.microsoft.com/office/drawing/2014/main" id="{9DEDBFB4-D8C4-5E4C-F482-F01700C5003B}"/>
+                <a16:creationId xmlns:a16="http://schemas.microsoft.com/office/drawing/2014/main" id="{DB526C1A-BD4A-098C-CC38-2A700DAA461E}"/>
               </a:ext>
             </a:extLst>
           </p:cNvPr>
@@ -1169,7 +1169,7 @@
           <p:cNvPr id="6" name="灯片编号占位符 5">
             <a:extLst>
               <a:ext uri="{FF2B5EF4-FFF2-40B4-BE49-F238E27FC236}">
-                <a16:creationId xmlns:a16="http://schemas.microsoft.com/office/drawing/2014/main" id="{CA9D7D42-FA95-69C3-92EF-45E5636FC37B}"/>
+                <a16:creationId xmlns:a16="http://schemas.microsoft.com/office/drawing/2014/main" id="{C5EFD24D-CCAB-F0B2-C5B1-84DFA1E3AAF8}"/>
               </a:ext>
             </a:extLst>
           </p:cNvPr>
@@ -1185,7 +1185,7 @@
           <a:bodyPr/>
           <a:lstStyle/>
           <a:p>
-            <a:fld id="{D090DE5A-6685-4BB5-A9E9-5F4DCFE1BFDD}" type="slidenum">
+            <a:fld id="{98538A8E-D067-4A07-B60F-B4FFFDF6FCB5}" type="slidenum">
               <a:rPr lang="zh-CN" altLang="en-US" smtClean="0"/>
               <a:t>‹#›</a:t>
             </a:fld>
@@ -1196,7 +1196,7 @@
     </p:spTree>
     <p:extLst>
       <p:ext uri="{BB962C8B-B14F-4D97-AF65-F5344CB8AC3E}">
-        <p14:creationId xmlns:p14="http://schemas.microsoft.com/office/powerpoint/2010/main" val="2230189135"/>
+        <p14:creationId xmlns:p14="http://schemas.microsoft.com/office/powerpoint/2010/main" val="1275646880"/>
       </p:ext>
     </p:extLst>
   </p:cSld>
@@ -1228,7 +1228,7 @@
           <p:cNvPr id="2" name="标题 1">
             <a:extLst>
               <a:ext uri="{FF2B5EF4-FFF2-40B4-BE49-F238E27FC236}">
-                <a16:creationId xmlns:a16="http://schemas.microsoft.com/office/drawing/2014/main" id="{E7B4D120-B51A-7794-A510-855AB98761CE}"/>
+                <a16:creationId xmlns:a16="http://schemas.microsoft.com/office/drawing/2014/main" id="{C085F715-45F6-E898-6783-C249BC3BAECA}"/>
               </a:ext>
             </a:extLst>
           </p:cNvPr>
@@ -1256,7 +1256,7 @@
           <p:cNvPr id="3" name="内容占位符 2">
             <a:extLst>
               <a:ext uri="{FF2B5EF4-FFF2-40B4-BE49-F238E27FC236}">
-                <a16:creationId xmlns:a16="http://schemas.microsoft.com/office/drawing/2014/main" id="{0064579E-A874-F3E8-7318-791EE8C4CA3D}"/>
+                <a16:creationId xmlns:a16="http://schemas.microsoft.com/office/drawing/2014/main" id="{7CC960DD-CC68-8230-161D-19CA790FA553}"/>
               </a:ext>
             </a:extLst>
           </p:cNvPr>
@@ -1318,7 +1318,7 @@
           <p:cNvPr id="4" name="内容占位符 3">
             <a:extLst>
               <a:ext uri="{FF2B5EF4-FFF2-40B4-BE49-F238E27FC236}">
-                <a16:creationId xmlns:a16="http://schemas.microsoft.com/office/drawing/2014/main" id="{6334BA28-7196-6B11-81A2-4F120E2D922B}"/>
+                <a16:creationId xmlns:a16="http://schemas.microsoft.com/office/drawing/2014/main" id="{04262707-EB23-ED51-6ABC-B22685E0B1A4}"/>
               </a:ext>
             </a:extLst>
           </p:cNvPr>
@@ -1380,7 +1380,7 @@
           <p:cNvPr id="5" name="日期占位符 4">
             <a:extLst>
               <a:ext uri="{FF2B5EF4-FFF2-40B4-BE49-F238E27FC236}">
-                <a16:creationId xmlns:a16="http://schemas.microsoft.com/office/drawing/2014/main" id="{EC70007A-A7AA-5BE0-CEE1-8EFF91FAFC45}"/>
+                <a16:creationId xmlns:a16="http://schemas.microsoft.com/office/drawing/2014/main" id="{D7FCA2A0-13E7-418B-B690-E52344482D8E}"/>
               </a:ext>
             </a:extLst>
           </p:cNvPr>
@@ -1396,7 +1396,7 @@
           <a:bodyPr/>
           <a:lstStyle/>
           <a:p>
-            <a:fld id="{269B3C63-BBB3-4E63-A7E8-77448389313A}" type="datetimeFigureOut">
+            <a:fld id="{08352325-F2FF-4AC4-B892-B88A6F95E813}" type="datetimeFigureOut">
               <a:rPr lang="zh-CN" altLang="en-US" smtClean="0"/>
               <a:t>2024/3/10</a:t>
             </a:fld>
@@ -1409,7 +1409,7 @@
           <p:cNvPr id="6" name="页脚占位符 5">
             <a:extLst>
               <a:ext uri="{FF2B5EF4-FFF2-40B4-BE49-F238E27FC236}">
-                <a16:creationId xmlns:a16="http://schemas.microsoft.com/office/drawing/2014/main" id="{B32F80AF-678A-6960-083D-0DCB7A68897F}"/>
+                <a16:creationId xmlns:a16="http://schemas.microsoft.com/office/drawing/2014/main" id="{F56721ED-329A-303B-B0DE-9BD8BE2A8CA0}"/>
               </a:ext>
             </a:extLst>
           </p:cNvPr>
@@ -1434,7 +1434,7 @@
           <p:cNvPr id="7" name="灯片编号占位符 6">
             <a:extLst>
               <a:ext uri="{FF2B5EF4-FFF2-40B4-BE49-F238E27FC236}">
-                <a16:creationId xmlns:a16="http://schemas.microsoft.com/office/drawing/2014/main" id="{37E03641-5507-3FCD-BD0C-0DD4E3C5FD7B}"/>
+                <a16:creationId xmlns:a16="http://schemas.microsoft.com/office/drawing/2014/main" id="{885CCD3B-9C76-5B0E-4A89-7A730C94B8C0}"/>
               </a:ext>
             </a:extLst>
           </p:cNvPr>
@@ -1450,7 +1450,7 @@
           <a:bodyPr/>
           <a:lstStyle/>
           <a:p>
-            <a:fld id="{D090DE5A-6685-4BB5-A9E9-5F4DCFE1BFDD}" type="slidenum">
+            <a:fld id="{98538A8E-D067-4A07-B60F-B4FFFDF6FCB5}" type="slidenum">
               <a:rPr lang="zh-CN" altLang="en-US" smtClean="0"/>
               <a:t>‹#›</a:t>
             </a:fld>
@@ -1461,7 +1461,7 @@
     </p:spTree>
     <p:extLst>
       <p:ext uri="{BB962C8B-B14F-4D97-AF65-F5344CB8AC3E}">
-        <p14:creationId xmlns:p14="http://schemas.microsoft.com/office/powerpoint/2010/main" val="3801741181"/>
+        <p14:creationId xmlns:p14="http://schemas.microsoft.com/office/powerpoint/2010/main" val="3316923591"/>
       </p:ext>
     </p:extLst>
   </p:cSld>
@@ -1493,7 +1493,7 @@
           <p:cNvPr id="2" name="标题 1">
             <a:extLst>
               <a:ext uri="{FF2B5EF4-FFF2-40B4-BE49-F238E27FC236}">
-                <a16:creationId xmlns:a16="http://schemas.microsoft.com/office/drawing/2014/main" id="{CC59D2AE-13E6-4334-70A6-F31EDBB46A3B}"/>
+                <a16:creationId xmlns:a16="http://schemas.microsoft.com/office/drawing/2014/main" id="{4547E9C7-1850-F69B-F73E-BB030E5F5AFC}"/>
               </a:ext>
             </a:extLst>
           </p:cNvPr>
@@ -1526,7 +1526,7 @@
           <p:cNvPr id="3" name="文本占位符 2">
             <a:extLst>
               <a:ext uri="{FF2B5EF4-FFF2-40B4-BE49-F238E27FC236}">
-                <a16:creationId xmlns:a16="http://schemas.microsoft.com/office/drawing/2014/main" id="{D00B502D-2409-5928-85EC-81C34C46EB4E}"/>
+                <a16:creationId xmlns:a16="http://schemas.microsoft.com/office/drawing/2014/main" id="{3C26BAF3-D032-BEF3-8324-109A697D858C}"/>
               </a:ext>
             </a:extLst>
           </p:cNvPr>
@@ -1597,7 +1597,7 @@
           <p:cNvPr id="4" name="内容占位符 3">
             <a:extLst>
               <a:ext uri="{FF2B5EF4-FFF2-40B4-BE49-F238E27FC236}">
-                <a16:creationId xmlns:a16="http://schemas.microsoft.com/office/drawing/2014/main" id="{A11523D5-84B0-76F1-9C77-F103F685D215}"/>
+                <a16:creationId xmlns:a16="http://schemas.microsoft.com/office/drawing/2014/main" id="{C6E9A06F-6CBB-2F0A-E839-465F1C57C430}"/>
               </a:ext>
             </a:extLst>
           </p:cNvPr>
@@ -1659,7 +1659,7 @@
           <p:cNvPr id="5" name="文本占位符 4">
             <a:extLst>
               <a:ext uri="{FF2B5EF4-FFF2-40B4-BE49-F238E27FC236}">
-                <a16:creationId xmlns:a16="http://schemas.microsoft.com/office/drawing/2014/main" id="{257EFB4A-2903-B02D-39D1-05CC0D7D3DC4}"/>
+                <a16:creationId xmlns:a16="http://schemas.microsoft.com/office/drawing/2014/main" id="{F7FC136B-B924-F549-ABF0-6018401BA3CE}"/>
               </a:ext>
             </a:extLst>
           </p:cNvPr>
@@ -1730,7 +1730,7 @@
           <p:cNvPr id="6" name="内容占位符 5">
             <a:extLst>
               <a:ext uri="{FF2B5EF4-FFF2-40B4-BE49-F238E27FC236}">
-                <a16:creationId xmlns:a16="http://schemas.microsoft.com/office/drawing/2014/main" id="{A3553F5B-59E7-74D9-2738-050A9918B24E}"/>
+                <a16:creationId xmlns:a16="http://schemas.microsoft.com/office/drawing/2014/main" id="{0D6EE27B-A9AF-5E5D-A32A-130058B44FAA}"/>
               </a:ext>
             </a:extLst>
           </p:cNvPr>
@@ -1792,7 +1792,7 @@
           <p:cNvPr id="7" name="日期占位符 6">
             <a:extLst>
               <a:ext uri="{FF2B5EF4-FFF2-40B4-BE49-F238E27FC236}">
-                <a16:creationId xmlns:a16="http://schemas.microsoft.com/office/drawing/2014/main" id="{7E8DC96E-ABFE-C9BB-008B-C5F6C1835189}"/>
+                <a16:creationId xmlns:a16="http://schemas.microsoft.com/office/drawing/2014/main" id="{E56E205C-4ECE-D339-450E-80AEC010ADB3}"/>
               </a:ext>
             </a:extLst>
           </p:cNvPr>
@@ -1808,7 +1808,7 @@
           <a:bodyPr/>
           <a:lstStyle/>
           <a:p>
-            <a:fld id="{269B3C63-BBB3-4E63-A7E8-77448389313A}" type="datetimeFigureOut">
+            <a:fld id="{08352325-F2FF-4AC4-B892-B88A6F95E813}" type="datetimeFigureOut">
               <a:rPr lang="zh-CN" altLang="en-US" smtClean="0"/>
               <a:t>2024/3/10</a:t>
             </a:fld>
@@ -1821,7 +1821,7 @@
           <p:cNvPr id="8" name="页脚占位符 7">
             <a:extLst>
               <a:ext uri="{FF2B5EF4-FFF2-40B4-BE49-F238E27FC236}">
-                <a16:creationId xmlns:a16="http://schemas.microsoft.com/office/drawing/2014/main" id="{02490345-89A7-3FA3-B22F-B9ED8B2F3BA5}"/>
+                <a16:creationId xmlns:a16="http://schemas.microsoft.com/office/drawing/2014/main" id="{F72076D4-765F-15C5-0FE7-FE7C315C1C29}"/>
               </a:ext>
             </a:extLst>
           </p:cNvPr>
@@ -1846,7 +1846,7 @@
           <p:cNvPr id="9" name="灯片编号占位符 8">
             <a:extLst>
               <a:ext uri="{FF2B5EF4-FFF2-40B4-BE49-F238E27FC236}">
-                <a16:creationId xmlns:a16="http://schemas.microsoft.com/office/drawing/2014/main" id="{1B403085-94AA-CE61-726C-FB51A2E9FA7F}"/>
+                <a16:creationId xmlns:a16="http://schemas.microsoft.com/office/drawing/2014/main" id="{A761265C-A5E4-5C01-3B84-FB0EA3038813}"/>
               </a:ext>
             </a:extLst>
           </p:cNvPr>
@@ -1862,7 +1862,7 @@
           <a:bodyPr/>
           <a:lstStyle/>
           <a:p>
-            <a:fld id="{D090DE5A-6685-4BB5-A9E9-5F4DCFE1BFDD}" type="slidenum">
+            <a:fld id="{98538A8E-D067-4A07-B60F-B4FFFDF6FCB5}" type="slidenum">
               <a:rPr lang="zh-CN" altLang="en-US" smtClean="0"/>
               <a:t>‹#›</a:t>
             </a:fld>
@@ -1873,7 +1873,7 @@
     </p:spTree>
     <p:extLst>
       <p:ext uri="{BB962C8B-B14F-4D97-AF65-F5344CB8AC3E}">
-        <p14:creationId xmlns:p14="http://schemas.microsoft.com/office/powerpoint/2010/main" val="3850910775"/>
+        <p14:creationId xmlns:p14="http://schemas.microsoft.com/office/powerpoint/2010/main" val="147093051"/>
       </p:ext>
     </p:extLst>
   </p:cSld>
@@ -1905,7 +1905,7 @@
           <p:cNvPr id="2" name="标题 1">
             <a:extLst>
               <a:ext uri="{FF2B5EF4-FFF2-40B4-BE49-F238E27FC236}">
-                <a16:creationId xmlns:a16="http://schemas.microsoft.com/office/drawing/2014/main" id="{7B63D756-C597-C144-3DD1-30CB76FC20A8}"/>
+                <a16:creationId xmlns:a16="http://schemas.microsoft.com/office/drawing/2014/main" id="{44429AC9-E5A2-8AB3-6BFC-9DFB558718B2}"/>
               </a:ext>
             </a:extLst>
           </p:cNvPr>
@@ -1933,7 +1933,7 @@
           <p:cNvPr id="3" name="日期占位符 2">
             <a:extLst>
               <a:ext uri="{FF2B5EF4-FFF2-40B4-BE49-F238E27FC236}">
-                <a16:creationId xmlns:a16="http://schemas.microsoft.com/office/drawing/2014/main" id="{1C833B84-3E13-4695-C785-E14E5DC032E4}"/>
+                <a16:creationId xmlns:a16="http://schemas.microsoft.com/office/drawing/2014/main" id="{F9EBD499-7E77-6A86-8005-9191C3ADDED6}"/>
               </a:ext>
             </a:extLst>
           </p:cNvPr>
@@ -1949,7 +1949,7 @@
           <a:bodyPr/>
           <a:lstStyle/>
           <a:p>
-            <a:fld id="{269B3C63-BBB3-4E63-A7E8-77448389313A}" type="datetimeFigureOut">
+            <a:fld id="{08352325-F2FF-4AC4-B892-B88A6F95E813}" type="datetimeFigureOut">
               <a:rPr lang="zh-CN" altLang="en-US" smtClean="0"/>
               <a:t>2024/3/10</a:t>
             </a:fld>
@@ -1962,7 +1962,7 @@
           <p:cNvPr id="4" name="页脚占位符 3">
             <a:extLst>
               <a:ext uri="{FF2B5EF4-FFF2-40B4-BE49-F238E27FC236}">
-                <a16:creationId xmlns:a16="http://schemas.microsoft.com/office/drawing/2014/main" id="{4C62328B-5A32-7B4E-A20F-CD6730021717}"/>
+                <a16:creationId xmlns:a16="http://schemas.microsoft.com/office/drawing/2014/main" id="{7703D09E-5859-298D-08B8-FF29CDDFC4E4}"/>
               </a:ext>
             </a:extLst>
           </p:cNvPr>
@@ -1987,7 +1987,7 @@
           <p:cNvPr id="5" name="灯片编号占位符 4">
             <a:extLst>
               <a:ext uri="{FF2B5EF4-FFF2-40B4-BE49-F238E27FC236}">
-                <a16:creationId xmlns:a16="http://schemas.microsoft.com/office/drawing/2014/main" id="{7F6C6154-2E73-1EBB-CF3B-82BFA4FD9610}"/>
+                <a16:creationId xmlns:a16="http://schemas.microsoft.com/office/drawing/2014/main" id="{878F6B00-A4CC-0D56-8E67-BB3288ED0A95}"/>
               </a:ext>
             </a:extLst>
           </p:cNvPr>
@@ -2003,7 +2003,7 @@
           <a:bodyPr/>
           <a:lstStyle/>
           <a:p>
-            <a:fld id="{D090DE5A-6685-4BB5-A9E9-5F4DCFE1BFDD}" type="slidenum">
+            <a:fld id="{98538A8E-D067-4A07-B60F-B4FFFDF6FCB5}" type="slidenum">
               <a:rPr lang="zh-CN" altLang="en-US" smtClean="0"/>
               <a:t>‹#›</a:t>
             </a:fld>
@@ -2014,7 +2014,7 @@
     </p:spTree>
     <p:extLst>
       <p:ext uri="{BB962C8B-B14F-4D97-AF65-F5344CB8AC3E}">
-        <p14:creationId xmlns:p14="http://schemas.microsoft.com/office/powerpoint/2010/main" val="3829391286"/>
+        <p14:creationId xmlns:p14="http://schemas.microsoft.com/office/powerpoint/2010/main" val="3192489534"/>
       </p:ext>
     </p:extLst>
   </p:cSld>
@@ -2046,7 +2046,7 @@
           <p:cNvPr id="2" name="日期占位符 1">
             <a:extLst>
               <a:ext uri="{FF2B5EF4-FFF2-40B4-BE49-F238E27FC236}">
-                <a16:creationId xmlns:a16="http://schemas.microsoft.com/office/drawing/2014/main" id="{203CE133-7598-DD50-00F1-9E4CB7D9B5AE}"/>
+                <a16:creationId xmlns:a16="http://schemas.microsoft.com/office/drawing/2014/main" id="{EF2C1B50-BB46-158B-F482-163461ECDC2E}"/>
               </a:ext>
             </a:extLst>
           </p:cNvPr>
@@ -2062,7 +2062,7 @@
           <a:bodyPr/>
           <a:lstStyle/>
           <a:p>
-            <a:fld id="{269B3C63-BBB3-4E63-A7E8-77448389313A}" type="datetimeFigureOut">
+            <a:fld id="{08352325-F2FF-4AC4-B892-B88A6F95E813}" type="datetimeFigureOut">
               <a:rPr lang="zh-CN" altLang="en-US" smtClean="0"/>
               <a:t>2024/3/10</a:t>
             </a:fld>
@@ -2075,7 +2075,7 @@
           <p:cNvPr id="3" name="页脚占位符 2">
             <a:extLst>
               <a:ext uri="{FF2B5EF4-FFF2-40B4-BE49-F238E27FC236}">
-                <a16:creationId xmlns:a16="http://schemas.microsoft.com/office/drawing/2014/main" id="{E4AD296A-8E54-67D7-A8AA-01D2D61BCF6B}"/>
+                <a16:creationId xmlns:a16="http://schemas.microsoft.com/office/drawing/2014/main" id="{2E94DA37-79E4-0A8B-8B02-E8FD5992F411}"/>
               </a:ext>
             </a:extLst>
           </p:cNvPr>
@@ -2100,7 +2100,7 @@
           <p:cNvPr id="4" name="灯片编号占位符 3">
             <a:extLst>
               <a:ext uri="{FF2B5EF4-FFF2-40B4-BE49-F238E27FC236}">
-                <a16:creationId xmlns:a16="http://schemas.microsoft.com/office/drawing/2014/main" id="{7A489F16-50E1-F75B-D23B-BAA969993D9F}"/>
+                <a16:creationId xmlns:a16="http://schemas.microsoft.com/office/drawing/2014/main" id="{992EABE9-F2AF-3641-46A7-41FE3329D0C5}"/>
               </a:ext>
             </a:extLst>
           </p:cNvPr>
@@ -2116,7 +2116,7 @@
           <a:bodyPr/>
           <a:lstStyle/>
           <a:p>
-            <a:fld id="{D090DE5A-6685-4BB5-A9E9-5F4DCFE1BFDD}" type="slidenum">
+            <a:fld id="{98538A8E-D067-4A07-B60F-B4FFFDF6FCB5}" type="slidenum">
               <a:rPr lang="zh-CN" altLang="en-US" smtClean="0"/>
               <a:t>‹#›</a:t>
             </a:fld>
@@ -2127,7 +2127,7 @@
     </p:spTree>
     <p:extLst>
       <p:ext uri="{BB962C8B-B14F-4D97-AF65-F5344CB8AC3E}">
-        <p14:creationId xmlns:p14="http://schemas.microsoft.com/office/powerpoint/2010/main" val="3669102125"/>
+        <p14:creationId xmlns:p14="http://schemas.microsoft.com/office/powerpoint/2010/main" val="306721179"/>
       </p:ext>
     </p:extLst>
   </p:cSld>
@@ -2159,7 +2159,7 @@
           <p:cNvPr id="2" name="标题 1">
             <a:extLst>
               <a:ext uri="{FF2B5EF4-FFF2-40B4-BE49-F238E27FC236}">
-                <a16:creationId xmlns:a16="http://schemas.microsoft.com/office/drawing/2014/main" id="{831D70EE-C63D-3AD1-C635-C3283DB775BB}"/>
+                <a16:creationId xmlns:a16="http://schemas.microsoft.com/office/drawing/2014/main" id="{9EFAC97F-0817-E02F-23A3-6278B360520A}"/>
               </a:ext>
             </a:extLst>
           </p:cNvPr>
@@ -2196,7 +2196,7 @@
           <p:cNvPr id="3" name="内容占位符 2">
             <a:extLst>
               <a:ext uri="{FF2B5EF4-FFF2-40B4-BE49-F238E27FC236}">
-                <a16:creationId xmlns:a16="http://schemas.microsoft.com/office/drawing/2014/main" id="{5F5CE082-99F3-5B02-6A62-84493C5DFF79}"/>
+                <a16:creationId xmlns:a16="http://schemas.microsoft.com/office/drawing/2014/main" id="{86EEB488-2B61-7E7A-D74B-ACE0699FC42E}"/>
               </a:ext>
             </a:extLst>
           </p:cNvPr>
@@ -2286,7 +2286,7 @@
           <p:cNvPr id="4" name="文本占位符 3">
             <a:extLst>
               <a:ext uri="{FF2B5EF4-FFF2-40B4-BE49-F238E27FC236}">
-                <a16:creationId xmlns:a16="http://schemas.microsoft.com/office/drawing/2014/main" id="{0FA3D4E1-8231-FF8D-A6D6-9AD82D98D27E}"/>
+                <a16:creationId xmlns:a16="http://schemas.microsoft.com/office/drawing/2014/main" id="{D06EBB8F-EDDA-F072-A6A6-BC068FF29998}"/>
               </a:ext>
             </a:extLst>
           </p:cNvPr>
@@ -2357,7 +2357,7 @@
           <p:cNvPr id="5" name="日期占位符 4">
             <a:extLst>
               <a:ext uri="{FF2B5EF4-FFF2-40B4-BE49-F238E27FC236}">
-                <a16:creationId xmlns:a16="http://schemas.microsoft.com/office/drawing/2014/main" id="{7CBFABC6-7570-FEE7-08B5-6480585473F3}"/>
+                <a16:creationId xmlns:a16="http://schemas.microsoft.com/office/drawing/2014/main" id="{06DFF9D6-99F8-ED62-DDE7-77E2C65C6F3F}"/>
               </a:ext>
             </a:extLst>
           </p:cNvPr>
@@ -2373,7 +2373,7 @@
           <a:bodyPr/>
           <a:lstStyle/>
           <a:p>
-            <a:fld id="{269B3C63-BBB3-4E63-A7E8-77448389313A}" type="datetimeFigureOut">
+            <a:fld id="{08352325-F2FF-4AC4-B892-B88A6F95E813}" type="datetimeFigureOut">
               <a:rPr lang="zh-CN" altLang="en-US" smtClean="0"/>
               <a:t>2024/3/10</a:t>
             </a:fld>
@@ -2386,7 +2386,7 @@
           <p:cNvPr id="6" name="页脚占位符 5">
             <a:extLst>
               <a:ext uri="{FF2B5EF4-FFF2-40B4-BE49-F238E27FC236}">
-                <a16:creationId xmlns:a16="http://schemas.microsoft.com/office/drawing/2014/main" id="{FB56DAFD-5176-6E4F-EC06-0D2B318C9DD9}"/>
+                <a16:creationId xmlns:a16="http://schemas.microsoft.com/office/drawing/2014/main" id="{9D5A04AE-BD45-960A-9265-08C309B30CA1}"/>
               </a:ext>
             </a:extLst>
           </p:cNvPr>
@@ -2411,7 +2411,7 @@
           <p:cNvPr id="7" name="灯片编号占位符 6">
             <a:extLst>
               <a:ext uri="{FF2B5EF4-FFF2-40B4-BE49-F238E27FC236}">
-                <a16:creationId xmlns:a16="http://schemas.microsoft.com/office/drawing/2014/main" id="{2CA9CACF-09C0-8CA9-6257-C1564F8D07A5}"/>
+                <a16:creationId xmlns:a16="http://schemas.microsoft.com/office/drawing/2014/main" id="{B9C7EEDE-AFF8-DA00-DE11-07F08DE56B69}"/>
               </a:ext>
             </a:extLst>
           </p:cNvPr>
@@ -2427,7 +2427,7 @@
           <a:bodyPr/>
           <a:lstStyle/>
           <a:p>
-            <a:fld id="{D090DE5A-6685-4BB5-A9E9-5F4DCFE1BFDD}" type="slidenum">
+            <a:fld id="{98538A8E-D067-4A07-B60F-B4FFFDF6FCB5}" type="slidenum">
               <a:rPr lang="zh-CN" altLang="en-US" smtClean="0"/>
               <a:t>‹#›</a:t>
             </a:fld>
@@ -2438,7 +2438,7 @@
     </p:spTree>
     <p:extLst>
       <p:ext uri="{BB962C8B-B14F-4D97-AF65-F5344CB8AC3E}">
-        <p14:creationId xmlns:p14="http://schemas.microsoft.com/office/powerpoint/2010/main" val="1954239471"/>
+        <p14:creationId xmlns:p14="http://schemas.microsoft.com/office/powerpoint/2010/main" val="2267890852"/>
       </p:ext>
     </p:extLst>
   </p:cSld>
@@ -2470,7 +2470,7 @@
           <p:cNvPr id="2" name="标题 1">
             <a:extLst>
               <a:ext uri="{FF2B5EF4-FFF2-40B4-BE49-F238E27FC236}">
-                <a16:creationId xmlns:a16="http://schemas.microsoft.com/office/drawing/2014/main" id="{4E2376C2-ADA3-81E3-1711-60EF1116FA9F}"/>
+                <a16:creationId xmlns:a16="http://schemas.microsoft.com/office/drawing/2014/main" id="{20AEB7D3-8CD1-736E-311C-F2961EA0192B}"/>
               </a:ext>
             </a:extLst>
           </p:cNvPr>
@@ -2507,7 +2507,7 @@
           <p:cNvPr id="3" name="图片占位符 2">
             <a:extLst>
               <a:ext uri="{FF2B5EF4-FFF2-40B4-BE49-F238E27FC236}">
-                <a16:creationId xmlns:a16="http://schemas.microsoft.com/office/drawing/2014/main" id="{B07FA911-A32E-E7B5-EE06-DC41AE125713}"/>
+                <a16:creationId xmlns:a16="http://schemas.microsoft.com/office/drawing/2014/main" id="{329B2384-99EB-C35A-AB4B-3AA33B3EA0BF}"/>
               </a:ext>
             </a:extLst>
           </p:cNvPr>
@@ -2574,7 +2574,7 @@
           <p:cNvPr id="4" name="文本占位符 3">
             <a:extLst>
               <a:ext uri="{FF2B5EF4-FFF2-40B4-BE49-F238E27FC236}">
-                <a16:creationId xmlns:a16="http://schemas.microsoft.com/office/drawing/2014/main" id="{91D5A0E4-1780-F64C-8A9D-D9E8D1F57FD4}"/>
+                <a16:creationId xmlns:a16="http://schemas.microsoft.com/office/drawing/2014/main" id="{3E73300D-B15B-04DC-F0F4-DE94D01357CD}"/>
               </a:ext>
             </a:extLst>
           </p:cNvPr>
@@ -2645,7 +2645,7 @@
           <p:cNvPr id="5" name="日期占位符 4">
             <a:extLst>
               <a:ext uri="{FF2B5EF4-FFF2-40B4-BE49-F238E27FC236}">
-                <a16:creationId xmlns:a16="http://schemas.microsoft.com/office/drawing/2014/main" id="{99BFC9AF-CAD3-6425-FDD6-08B500E7E489}"/>
+                <a16:creationId xmlns:a16="http://schemas.microsoft.com/office/drawing/2014/main" id="{4C6B645D-39FA-A639-3694-DA81E4846D7E}"/>
               </a:ext>
             </a:extLst>
           </p:cNvPr>
@@ -2661,7 +2661,7 @@
           <a:bodyPr/>
           <a:lstStyle/>
           <a:p>
-            <a:fld id="{269B3C63-BBB3-4E63-A7E8-77448389313A}" type="datetimeFigureOut">
+            <a:fld id="{08352325-F2FF-4AC4-B892-B88A6F95E813}" type="datetimeFigureOut">
               <a:rPr lang="zh-CN" altLang="en-US" smtClean="0"/>
               <a:t>2024/3/10</a:t>
             </a:fld>
@@ -2674,7 +2674,7 @@
           <p:cNvPr id="6" name="页脚占位符 5">
             <a:extLst>
               <a:ext uri="{FF2B5EF4-FFF2-40B4-BE49-F238E27FC236}">
-                <a16:creationId xmlns:a16="http://schemas.microsoft.com/office/drawing/2014/main" id="{F03AB51F-946D-F4FC-9341-EE7CB86EF7D6}"/>
+                <a16:creationId xmlns:a16="http://schemas.microsoft.com/office/drawing/2014/main" id="{528B43EC-75DD-1C19-A153-6060FC912133}"/>
               </a:ext>
             </a:extLst>
           </p:cNvPr>
@@ -2699,7 +2699,7 @@
           <p:cNvPr id="7" name="灯片编号占位符 6">
             <a:extLst>
               <a:ext uri="{FF2B5EF4-FFF2-40B4-BE49-F238E27FC236}">
-                <a16:creationId xmlns:a16="http://schemas.microsoft.com/office/drawing/2014/main" id="{4110D2C4-2DC7-36D9-8FD6-512567C3A2FD}"/>
+                <a16:creationId xmlns:a16="http://schemas.microsoft.com/office/drawing/2014/main" id="{5A43D0A3-95C4-272B-BCC4-28DE58F4FCBC}"/>
               </a:ext>
             </a:extLst>
           </p:cNvPr>
@@ -2715,7 +2715,7 @@
           <a:bodyPr/>
           <a:lstStyle/>
           <a:p>
-            <a:fld id="{D090DE5A-6685-4BB5-A9E9-5F4DCFE1BFDD}" type="slidenum">
+            <a:fld id="{98538A8E-D067-4A07-B60F-B4FFFDF6FCB5}" type="slidenum">
               <a:rPr lang="zh-CN" altLang="en-US" smtClean="0"/>
               <a:t>‹#›</a:t>
             </a:fld>
@@ -2726,7 +2726,7 @@
     </p:spTree>
     <p:extLst>
       <p:ext uri="{BB962C8B-B14F-4D97-AF65-F5344CB8AC3E}">
-        <p14:creationId xmlns:p14="http://schemas.microsoft.com/office/powerpoint/2010/main" val="1319500541"/>
+        <p14:creationId xmlns:p14="http://schemas.microsoft.com/office/powerpoint/2010/main" val="510103655"/>
       </p:ext>
     </p:extLst>
   </p:cSld>
@@ -2763,7 +2763,7 @@
           <p:cNvPr id="2" name="标题占位符 1">
             <a:extLst>
               <a:ext uri="{FF2B5EF4-FFF2-40B4-BE49-F238E27FC236}">
-                <a16:creationId xmlns:a16="http://schemas.microsoft.com/office/drawing/2014/main" id="{72BB9683-1EEE-A9D3-4B51-68847D91A998}"/>
+                <a16:creationId xmlns:a16="http://schemas.microsoft.com/office/drawing/2014/main" id="{F5FB9B44-8594-3C2F-F805-6A6A7BDA8F18}"/>
               </a:ext>
             </a:extLst>
           </p:cNvPr>
@@ -2801,7 +2801,7 @@
           <p:cNvPr id="3" name="文本占位符 2">
             <a:extLst>
               <a:ext uri="{FF2B5EF4-FFF2-40B4-BE49-F238E27FC236}">
-                <a16:creationId xmlns:a16="http://schemas.microsoft.com/office/drawing/2014/main" id="{BC70638C-4297-6551-7D50-41D4D07E68BE}"/>
+                <a16:creationId xmlns:a16="http://schemas.microsoft.com/office/drawing/2014/main" id="{E30FD134-644E-70F7-51DE-E864881E057D}"/>
               </a:ext>
             </a:extLst>
           </p:cNvPr>
@@ -2868,7 +2868,7 @@
           <p:cNvPr id="4" name="日期占位符 3">
             <a:extLst>
               <a:ext uri="{FF2B5EF4-FFF2-40B4-BE49-F238E27FC236}">
-                <a16:creationId xmlns:a16="http://schemas.microsoft.com/office/drawing/2014/main" id="{2E9F006B-069E-BD4B-2EBB-B3B1F8C00B25}"/>
+                <a16:creationId xmlns:a16="http://schemas.microsoft.com/office/drawing/2014/main" id="{8BDD8D40-6ED0-6F91-F849-AA08FD40EDB4}"/>
               </a:ext>
             </a:extLst>
           </p:cNvPr>
@@ -2902,7 +2902,7 @@
             </a:lvl1pPr>
           </a:lstStyle>
           <a:p>
-            <a:fld id="{269B3C63-BBB3-4E63-A7E8-77448389313A}" type="datetimeFigureOut">
+            <a:fld id="{08352325-F2FF-4AC4-B892-B88A6F95E813}" type="datetimeFigureOut">
               <a:rPr lang="zh-CN" altLang="en-US" smtClean="0"/>
               <a:t>2024/3/10</a:t>
             </a:fld>
@@ -2915,7 +2915,7 @@
           <p:cNvPr id="5" name="页脚占位符 4">
             <a:extLst>
               <a:ext uri="{FF2B5EF4-FFF2-40B4-BE49-F238E27FC236}">
-                <a16:creationId xmlns:a16="http://schemas.microsoft.com/office/drawing/2014/main" id="{C7B74013-1357-BD6C-DB36-12A7102B10CE}"/>
+                <a16:creationId xmlns:a16="http://schemas.microsoft.com/office/drawing/2014/main" id="{CA2BE605-D564-448E-EBD2-3492F4DB6381}"/>
               </a:ext>
             </a:extLst>
           </p:cNvPr>
@@ -2958,7 +2958,7 @@
           <p:cNvPr id="6" name="灯片编号占位符 5">
             <a:extLst>
               <a:ext uri="{FF2B5EF4-FFF2-40B4-BE49-F238E27FC236}">
-                <a16:creationId xmlns:a16="http://schemas.microsoft.com/office/drawing/2014/main" id="{8CCCD82F-248F-FB82-8521-92C3AE0BC5D8}"/>
+                <a16:creationId xmlns:a16="http://schemas.microsoft.com/office/drawing/2014/main" id="{50356B91-D8E4-84AE-EC8D-63C5551D4196}"/>
               </a:ext>
             </a:extLst>
           </p:cNvPr>
@@ -2992,7 +2992,7 @@
             </a:lvl1pPr>
           </a:lstStyle>
           <a:p>
-            <a:fld id="{D090DE5A-6685-4BB5-A9E9-5F4DCFE1BFDD}" type="slidenum">
+            <a:fld id="{98538A8E-D067-4A07-B60F-B4FFFDF6FCB5}" type="slidenum">
               <a:rPr lang="zh-CN" altLang="en-US" smtClean="0"/>
               <a:t>‹#›</a:t>
             </a:fld>
@@ -3003,7 +3003,7 @@
     </p:spTree>
     <p:extLst>
       <p:ext uri="{BB962C8B-B14F-4D97-AF65-F5344CB8AC3E}">
-        <p14:creationId xmlns:p14="http://schemas.microsoft.com/office/powerpoint/2010/main" val="1285447624"/>
+        <p14:creationId xmlns:p14="http://schemas.microsoft.com/office/powerpoint/2010/main" val="3569733550"/>
       </p:ext>
     </p:extLst>
   </p:cSld>
